--- a/READ ME-Projet de fin de formation fsjs04 (stephanie carpentier).pptx
+++ b/READ ME-Projet de fin de formation fsjs04 (stephanie carpentier).pptx
@@ -6557,15 +6557,7 @@
           <a:p>
             <a:r>
               <a:rPr lang="fr-FR" sz="1400" dirty="0"/>
-              <a:t>Si utilisation de la base de données fournie, commenter la ligne d’initialisation de la </a:t>
-            </a:r>
-            <a:r>
-              <a:rPr lang="fr-FR" sz="1400" dirty="0" err="1"/>
-              <a:t>bdd</a:t>
-            </a:r>
-            <a:r>
-              <a:rPr lang="fr-FR" sz="1400" dirty="0"/>
-              <a:t> </a:t>
+              <a:t>Si utilisation de la base de données fournie, laisser la ligne 22 commentée dans app.js</a:t>
             </a:r>
           </a:p>
           <a:p>
@@ -6937,36 +6929,6 @@
       </p:pic>
       <p:pic>
         <p:nvPicPr>
-          <p:cNvPr id="14" name="Image 13">
-            <a:extLst>
-              <a:ext uri="{FF2B5EF4-FFF2-40B4-BE49-F238E27FC236}">
-                <a16:creationId xmlns:a16="http://schemas.microsoft.com/office/drawing/2014/main" id="{CDC669BC-E38E-431D-8151-6F33BFCDA91B}"/>
-              </a:ext>
-            </a:extLst>
-          </p:cNvPr>
-          <p:cNvPicPr>
-            <a:picLocks noChangeAspect="1"/>
-          </p:cNvPicPr>
-          <p:nvPr/>
-        </p:nvPicPr>
-        <p:blipFill>
-          <a:blip r:embed="rId9"/>
-          <a:stretch>
-            <a:fillRect/>
-          </a:stretch>
-        </p:blipFill>
-        <p:spPr>
-          <a:xfrm>
-            <a:off x="7481084" y="2933806"/>
-            <a:ext cx="2015106" cy="312952"/>
-          </a:xfrm>
-          <a:prstGeom prst="rect">
-            <a:avLst/>
-          </a:prstGeom>
-        </p:spPr>
-      </p:pic>
-      <p:pic>
-        <p:nvPicPr>
           <p:cNvPr id="16" name="Image 15">
             <a:extLst>
               <a:ext uri="{FF2B5EF4-FFF2-40B4-BE49-F238E27FC236}">
@@ -6980,7 +6942,7 @@
           <p:nvPr/>
         </p:nvPicPr>
         <p:blipFill>
-          <a:blip r:embed="rId10"/>
+          <a:blip r:embed="rId9"/>
           <a:stretch>
             <a:fillRect/>
           </a:stretch>
@@ -7010,6 +6972,36 @@
           <p:nvPr/>
         </p:nvPicPr>
         <p:blipFill>
+          <a:blip r:embed="rId10"/>
+          <a:stretch>
+            <a:fillRect/>
+          </a:stretch>
+        </p:blipFill>
+        <p:spPr>
+          <a:xfrm>
+            <a:off x="1233539" y="2313567"/>
+            <a:ext cx="2782043" cy="3386448"/>
+          </a:xfrm>
+          <a:prstGeom prst="rect">
+            <a:avLst/>
+          </a:prstGeom>
+        </p:spPr>
+      </p:pic>
+      <p:pic>
+        <p:nvPicPr>
+          <p:cNvPr id="6" name="Image 5">
+            <a:extLst>
+              <a:ext uri="{FF2B5EF4-FFF2-40B4-BE49-F238E27FC236}">
+                <a16:creationId xmlns:a16="http://schemas.microsoft.com/office/drawing/2014/main" id="{B3F407BC-81B8-4E63-97B6-2C2ED3DA0E0C}"/>
+              </a:ext>
+            </a:extLst>
+          </p:cNvPr>
+          <p:cNvPicPr>
+            <a:picLocks noChangeAspect="1"/>
+          </p:cNvPicPr>
+          <p:nvPr/>
+        </p:nvPicPr>
+        <p:blipFill>
           <a:blip r:embed="rId11"/>
           <a:stretch>
             <a:fillRect/>
@@ -7017,8 +7009,8 @@
         </p:blipFill>
         <p:spPr>
           <a:xfrm>
-            <a:off x="1233539" y="2313567"/>
-            <a:ext cx="2782043" cy="3386448"/>
+            <a:off x="7505910" y="2902096"/>
+            <a:ext cx="1850254" cy="337091"/>
           </a:xfrm>
           <a:prstGeom prst="rect">
             <a:avLst/>
